--- a/Docs/Visual Memory.pptx
+++ b/Docs/Visual Memory.pptx
@@ -6,10 +6,8 @@
   </p:sldMasterIdLst>
   <p:sldIdLst>
     <p:sldId id="256" r:id="rId2"/>
-    <p:sldId id="260" r:id="rId3"/>
-    <p:sldId id="257" r:id="rId4"/>
-    <p:sldId id="258" r:id="rId5"/>
-    <p:sldId id="259" r:id="rId6"/>
+    <p:sldId id="257" r:id="rId3"/>
+    <p:sldId id="261" r:id="rId4"/>
   </p:sldIdLst>
   <p:sldSz cx="9144000" cy="6858000" type="screen4x3"/>
   <p:notesSz cx="6858000" cy="9144000"/>
@@ -292,7 +290,7 @@
           <a:p>
             <a:fld id="{B27A7978-1F39-4DAF-95A2-5F2631F44DB6}" type="datetimeFigureOut">
               <a:rPr lang="es-ES" smtClean="0"/>
-              <a:t>21/05/2020</a:t>
+              <a:t>10/06/2020</a:t>
             </a:fld>
             <a:endParaRPr lang="es-ES"/>
           </a:p>
@@ -465,7 +463,7 @@
           <a:p>
             <a:fld id="{B27A7978-1F39-4DAF-95A2-5F2631F44DB6}" type="datetimeFigureOut">
               <a:rPr lang="es-ES" smtClean="0"/>
-              <a:t>21/05/2020</a:t>
+              <a:t>10/06/2020</a:t>
             </a:fld>
             <a:endParaRPr lang="es-ES"/>
           </a:p>
@@ -648,7 +646,7 @@
           <a:p>
             <a:fld id="{B27A7978-1F39-4DAF-95A2-5F2631F44DB6}" type="datetimeFigureOut">
               <a:rPr lang="es-ES" smtClean="0"/>
-              <a:t>21/05/2020</a:t>
+              <a:t>10/06/2020</a:t>
             </a:fld>
             <a:endParaRPr lang="es-ES"/>
           </a:p>
@@ -821,7 +819,7 @@
           <a:p>
             <a:fld id="{B27A7978-1F39-4DAF-95A2-5F2631F44DB6}" type="datetimeFigureOut">
               <a:rPr lang="es-ES" smtClean="0"/>
-              <a:t>21/05/2020</a:t>
+              <a:t>10/06/2020</a:t>
             </a:fld>
             <a:endParaRPr lang="es-ES"/>
           </a:p>
@@ -1070,7 +1068,7 @@
           <a:p>
             <a:fld id="{B27A7978-1F39-4DAF-95A2-5F2631F44DB6}" type="datetimeFigureOut">
               <a:rPr lang="es-ES" smtClean="0"/>
-              <a:t>21/05/2020</a:t>
+              <a:t>10/06/2020</a:t>
             </a:fld>
             <a:endParaRPr lang="es-ES"/>
           </a:p>
@@ -1361,7 +1359,7 @@
           <a:p>
             <a:fld id="{B27A7978-1F39-4DAF-95A2-5F2631F44DB6}" type="datetimeFigureOut">
               <a:rPr lang="es-ES" smtClean="0"/>
-              <a:t>21/05/2020</a:t>
+              <a:t>10/06/2020</a:t>
             </a:fld>
             <a:endParaRPr lang="es-ES"/>
           </a:p>
@@ -1786,7 +1784,7 @@
           <a:p>
             <a:fld id="{B27A7978-1F39-4DAF-95A2-5F2631F44DB6}" type="datetimeFigureOut">
               <a:rPr lang="es-ES" smtClean="0"/>
-              <a:t>21/05/2020</a:t>
+              <a:t>10/06/2020</a:t>
             </a:fld>
             <a:endParaRPr lang="es-ES"/>
           </a:p>
@@ -1907,7 +1905,7 @@
           <a:p>
             <a:fld id="{B27A7978-1F39-4DAF-95A2-5F2631F44DB6}" type="datetimeFigureOut">
               <a:rPr lang="es-ES" smtClean="0"/>
-              <a:t>21/05/2020</a:t>
+              <a:t>10/06/2020</a:t>
             </a:fld>
             <a:endParaRPr lang="es-ES"/>
           </a:p>
@@ -2005,7 +2003,7 @@
           <a:p>
             <a:fld id="{B27A7978-1F39-4DAF-95A2-5F2631F44DB6}" type="datetimeFigureOut">
               <a:rPr lang="es-ES" smtClean="0"/>
-              <a:t>21/05/2020</a:t>
+              <a:t>10/06/2020</a:t>
             </a:fld>
             <a:endParaRPr lang="es-ES"/>
           </a:p>
@@ -2285,7 +2283,7 @@
           <a:p>
             <a:fld id="{B27A7978-1F39-4DAF-95A2-5F2631F44DB6}" type="datetimeFigureOut">
               <a:rPr lang="es-ES" smtClean="0"/>
-              <a:t>21/05/2020</a:t>
+              <a:t>10/06/2020</a:t>
             </a:fld>
             <a:endParaRPr lang="es-ES"/>
           </a:p>
@@ -2541,7 +2539,7 @@
           <a:p>
             <a:fld id="{B27A7978-1F39-4DAF-95A2-5F2631F44DB6}" type="datetimeFigureOut">
               <a:rPr lang="es-ES" smtClean="0"/>
-              <a:t>21/05/2020</a:t>
+              <a:t>10/06/2020</a:t>
             </a:fld>
             <a:endParaRPr lang="es-ES"/>
           </a:p>
@@ -2757,7 +2755,7 @@
           <a:p>
             <a:fld id="{B27A7978-1F39-4DAF-95A2-5F2631F44DB6}" type="datetimeFigureOut">
               <a:rPr lang="es-ES" smtClean="0"/>
-              <a:t>21/05/2020</a:t>
+              <a:t>10/06/2020</a:t>
             </a:fld>
             <a:endParaRPr lang="es-ES"/>
           </a:p>
@@ -3223,11 +3221,11 @@
   <p:clrMapOvr>
     <a:masterClrMapping/>
   </p:clrMapOvr>
-  <mc:AlternateContent xmlns:mc="http://schemas.openxmlformats.org/markup-compatibility/2006">
-    <mc:Choice xmlns:p14="http://schemas.microsoft.com/office/powerpoint/2010/main" Requires="p14">
+  <mc:AlternateContent xmlns:mc="http://schemas.openxmlformats.org/markup-compatibility/2006" xmlns:p14="http://schemas.microsoft.com/office/powerpoint/2010/main">
+    <mc:Choice Requires="p14">
       <p:transition p14:dur="0"/>
     </mc:Choice>
-    <mc:Fallback>
+    <mc:Fallback xmlns="">
       <p:transition/>
     </mc:Fallback>
   </mc:AlternateContent>
@@ -3268,74 +3266,6 @@
             <p:ph type="title"/>
           </p:nvPr>
         </p:nvSpPr>
-        <p:spPr>
-          <a:xfrm>
-            <a:off x="395536" y="2348880"/>
-            <a:ext cx="8229600" cy="1143000"/>
-          </a:xfrm>
-        </p:spPr>
-        <p:txBody>
-          <a:bodyPr/>
-          <a:lstStyle/>
-          <a:p>
-            <a:r>
-              <a:rPr lang="ca-ES" dirty="0" smtClean="0"/>
-              <a:t>La Idea</a:t>
-            </a:r>
-            <a:endParaRPr lang="es-ES" dirty="0"/>
-          </a:p>
-        </p:txBody>
-      </p:sp>
-    </p:spTree>
-    <p:extLst>
-      <p:ext uri="{BB962C8B-B14F-4D97-AF65-F5344CB8AC3E}">
-        <p14:creationId xmlns:p14="http://schemas.microsoft.com/office/powerpoint/2010/main" val="1199098139"/>
-      </p:ext>
-    </p:extLst>
-  </p:cSld>
-  <p:clrMapOvr>
-    <a:masterClrMapping/>
-  </p:clrMapOvr>
-  <p:transition spd="slow">
-    <p:cover/>
-  </p:transition>
-  <p:timing>
-    <p:tnLst>
-      <p:par>
-        <p:cTn id="1" dur="indefinite" restart="never" nodeType="tmRoot"/>
-      </p:par>
-    </p:tnLst>
-  </p:timing>
-</p:sld>
-</file>
-
-<file path=ppt/slides/slide3.xml><?xml version="1.0" encoding="utf-8"?>
-<p:sld xmlns:a="http://schemas.openxmlformats.org/drawingml/2006/main" xmlns:r="http://schemas.openxmlformats.org/officeDocument/2006/relationships" xmlns:p="http://schemas.openxmlformats.org/presentationml/2006/main">
-  <p:cSld>
-    <p:spTree>
-      <p:nvGrpSpPr>
-        <p:cNvPr id="1" name=""/>
-        <p:cNvGrpSpPr/>
-        <p:nvPr/>
-      </p:nvGrpSpPr>
-      <p:grpSpPr>
-        <a:xfrm>
-          <a:off x="0" y="0"/>
-          <a:ext cx="0" cy="0"/>
-          <a:chOff x="0" y="0"/>
-          <a:chExt cx="0" cy="0"/>
-        </a:xfrm>
-      </p:grpSpPr>
-      <p:sp>
-        <p:nvSpPr>
-          <p:cNvPr id="2" name="1 Título"/>
-          <p:cNvSpPr>
-            <a:spLocks noGrp="1"/>
-          </p:cNvSpPr>
-          <p:nvPr>
-            <p:ph type="title"/>
-          </p:nvPr>
-        </p:nvSpPr>
         <p:spPr/>
         <p:txBody>
           <a:bodyPr/>
@@ -3370,12 +3300,12 @@
           <a:lstStyle/>
           <a:p>
             <a:r>
-              <a:rPr lang="ca-ES" sz="2400" dirty="0" err="1" smtClean="0"/>
-              <a:t>Laravel</a:t>
-            </a:r>
-            <a:r>
               <a:rPr lang="ca-ES" sz="2400" dirty="0" smtClean="0"/>
-              <a:t> amb </a:t>
+              <a:t>Laravel-7 </a:t>
+            </a:r>
+            <a:r>
+              <a:rPr lang="ca-ES" sz="2400" dirty="0" smtClean="0"/>
+              <a:t>amb </a:t>
             </a:r>
             <a:r>
               <a:rPr lang="ca-ES" sz="2400" dirty="0" err="1" smtClean="0"/>
@@ -3400,8 +3330,13 @@
             </a:r>
             <a:r>
               <a:rPr lang="ca-ES" sz="2400" dirty="0" smtClean="0"/>
-              <a:t> BBDD</a:t>
-            </a:r>
+              <a:t> </a:t>
+            </a:r>
+            <a:r>
+              <a:rPr lang="ca-ES" sz="2400" dirty="0" smtClean="0"/>
+              <a:t>BBDD( en local )</a:t>
+            </a:r>
+            <a:endParaRPr lang="ca-ES" sz="2400" dirty="0" smtClean="0"/>
           </a:p>
           <a:p>
             <a:pPr marL="0" indent="0">
@@ -3536,25 +3471,6 @@
                   <a:schemeClr val="accent1"/>
                 </a:solidFill>
               </a14:hiddenFill>
-            </a:ext>
-            <a:ext uri="{91240B29-F687-4F45-9708-019B960494DF}">
-              <a14:hiddenLine xmlns:a14="http://schemas.microsoft.com/office/drawing/2010/main" w="9525">
-                <a:solidFill>
-                  <a:schemeClr val="tx1"/>
-                </a:solidFill>
-                <a:miter lim="800000"/>
-                <a:headEnd/>
-                <a:tailEnd/>
-              </a14:hiddenLine>
-            </a:ext>
-            <a:ext uri="{AF507438-7753-43E0-B8FC-AC1667EBCBE1}">
-              <a14:hiddenEffects xmlns:a14="http://schemas.microsoft.com/office/drawing/2010/main">
-                <a:effectLst>
-                  <a:outerShdw dist="35921" dir="2700000" algn="ctr" rotWithShape="0">
-                    <a:schemeClr val="bg2"/>
-                  </a:outerShdw>
-                </a:effectLst>
-              </a14:hiddenEffects>
             </a:ext>
           </a:extLst>
         </p:spPr>
@@ -3706,7 +3622,7 @@
 </p:sld>
 </file>
 
-<file path=ppt/slides/slide4.xml><?xml version="1.0" encoding="utf-8"?>
+<file path=ppt/slides/slide3.xml><?xml version="1.0" encoding="utf-8"?>
 <p:sld xmlns:a="http://schemas.openxmlformats.org/drawingml/2006/main" xmlns:r="http://schemas.openxmlformats.org/officeDocument/2006/relationships" xmlns:p="http://schemas.openxmlformats.org/presentationml/2006/main">
   <p:cSld>
     <p:spTree>
@@ -3740,7 +3656,7 @@
           <a:p>
             <a:r>
               <a:rPr lang="ca-ES" dirty="0" smtClean="0"/>
-              <a:t>Vistes </a:t>
+              <a:t>Vistes</a:t>
             </a:r>
             <a:endParaRPr lang="es-ES" dirty="0"/>
           </a:p>
@@ -3762,13 +3678,13 @@
               </a:ext>
             </a:extLst>
           </a:blip>
-          <a:srcRect l="22589" r="21308"/>
+          <a:srcRect l="1792" r="5000" b="9338"/>
           <a:stretch/>
         </p:blipFill>
         <p:spPr>
-          <a:xfrm rot="20840325">
-            <a:off x="327736" y="923589"/>
-            <a:ext cx="3096344" cy="2996813"/>
+          <a:xfrm>
+            <a:off x="163902" y="1173572"/>
+            <a:ext cx="6784362" cy="1967395"/>
           </a:xfrm>
           <a:prstGeom prst="rect">
             <a:avLst/>
@@ -3783,129 +3699,8 @@
           </p:cNvPicPr>
           <p:nvPr/>
         </p:nvPicPr>
-        <p:blipFill rotWithShape="1">
-          <a:blip r:embed="rId3">
-            <a:extLst>
-              <a:ext uri="{28A0092B-C50C-407E-A947-70E740481C1C}">
-                <a14:useLocalDpi xmlns:a14="http://schemas.microsoft.com/office/drawing/2010/main" val="0"/>
-              </a:ext>
-            </a:extLst>
-          </a:blip>
-          <a:srcRect l="26762" r="24470" b="5646"/>
-          <a:stretch/>
-        </p:blipFill>
-        <p:spPr>
-          <a:xfrm rot="1032488">
-            <a:off x="5438867" y="789954"/>
-            <a:ext cx="3120917" cy="3411741"/>
-          </a:xfrm>
-          <a:prstGeom prst="rect">
-            <a:avLst/>
-          </a:prstGeom>
-        </p:spPr>
-      </p:pic>
-      <p:pic>
-        <p:nvPicPr>
-          <p:cNvPr id="7" name="6 Imagen"/>
-          <p:cNvPicPr>
-            <a:picLocks noChangeAspect="1"/>
-          </p:cNvPicPr>
-          <p:nvPr/>
-        </p:nvPicPr>
-        <p:blipFill rotWithShape="1">
-          <a:blip r:embed="rId4">
-            <a:extLst>
-              <a:ext uri="{28A0092B-C50C-407E-A947-70E740481C1C}">
-                <a14:useLocalDpi xmlns:a14="http://schemas.microsoft.com/office/drawing/2010/main" val="0"/>
-              </a:ext>
-            </a:extLst>
-          </a:blip>
-          <a:srcRect l="31577" t="2116" r="29555" b="12357"/>
-          <a:stretch/>
-        </p:blipFill>
-        <p:spPr>
-          <a:xfrm>
-            <a:off x="3275856" y="3429000"/>
-            <a:ext cx="2382346" cy="2694595"/>
-          </a:xfrm>
-          <a:prstGeom prst="rect">
-            <a:avLst/>
-          </a:prstGeom>
-        </p:spPr>
-      </p:pic>
-    </p:spTree>
-    <p:extLst>
-      <p:ext uri="{BB962C8B-B14F-4D97-AF65-F5344CB8AC3E}">
-        <p14:creationId xmlns:p14="http://schemas.microsoft.com/office/powerpoint/2010/main" val="3045576396"/>
-      </p:ext>
-    </p:extLst>
-  </p:cSld>
-  <p:clrMapOvr>
-    <a:masterClrMapping/>
-  </p:clrMapOvr>
-  <p:transition spd="slow">
-    <p:cover/>
-  </p:transition>
-  <p:timing>
-    <p:tnLst>
-      <p:par>
-        <p:cTn id="1" dur="indefinite" restart="never" nodeType="tmRoot"/>
-      </p:par>
-    </p:tnLst>
-  </p:timing>
-</p:sld>
-</file>
-
-<file path=ppt/slides/slide5.xml><?xml version="1.0" encoding="utf-8"?>
-<p:sld xmlns:a="http://schemas.openxmlformats.org/drawingml/2006/main" xmlns:r="http://schemas.openxmlformats.org/officeDocument/2006/relationships" xmlns:p="http://schemas.openxmlformats.org/presentationml/2006/main">
-  <p:cSld>
-    <p:spTree>
-      <p:nvGrpSpPr>
-        <p:cNvPr id="1" name=""/>
-        <p:cNvGrpSpPr/>
-        <p:nvPr/>
-      </p:nvGrpSpPr>
-      <p:grpSpPr>
-        <a:xfrm>
-          <a:off x="0" y="0"/>
-          <a:ext cx="0" cy="0"/>
-          <a:chOff x="0" y="0"/>
-          <a:chExt cx="0" cy="0"/>
-        </a:xfrm>
-      </p:grpSpPr>
-      <p:sp>
-        <p:nvSpPr>
-          <p:cNvPr id="2" name="1 Título"/>
-          <p:cNvSpPr>
-            <a:spLocks noGrp="1"/>
-          </p:cNvSpPr>
-          <p:nvPr>
-            <p:ph type="title"/>
-          </p:nvPr>
-        </p:nvSpPr>
-        <p:spPr/>
-        <p:txBody>
-          <a:bodyPr/>
-          <a:lstStyle/>
-          <a:p>
-            <a:r>
-              <a:rPr lang="ca-ES" dirty="0" smtClean="0"/>
-              <a:t>Estructura BBDD</a:t>
-            </a:r>
-            <a:endParaRPr lang="es-ES" dirty="0"/>
-          </a:p>
-        </p:txBody>
-      </p:sp>
-      <p:pic>
-        <p:nvPicPr>
-          <p:cNvPr id="4" name="3 Imagen"/>
-          <p:cNvPicPr>
-            <a:picLocks noChangeAspect="1"/>
-          </p:cNvPicPr>
-          <p:nvPr/>
-        </p:nvPicPr>
         <p:blipFill>
-          <a:blip r:embed="rId2">
+          <a:blip r:embed="rId3" cstate="print">
             <a:extLst>
               <a:ext uri="{28A0092B-C50C-407E-A947-70E740481C1C}">
                 <a14:useLocalDpi xmlns:a14="http://schemas.microsoft.com/office/drawing/2010/main" val="0"/>
@@ -3918,8 +3713,38 @@
         </p:blipFill>
         <p:spPr>
           <a:xfrm>
-            <a:off x="1115616" y="1628800"/>
-            <a:ext cx="6048672" cy="2970965"/>
+            <a:off x="176428" y="3284984"/>
+            <a:ext cx="4107540" cy="2472942"/>
+          </a:xfrm>
+          <a:prstGeom prst="rect">
+            <a:avLst/>
+          </a:prstGeom>
+        </p:spPr>
+      </p:pic>
+      <p:pic>
+        <p:nvPicPr>
+          <p:cNvPr id="6" name="5 Imagen"/>
+          <p:cNvPicPr>
+            <a:picLocks noChangeAspect="1"/>
+          </p:cNvPicPr>
+          <p:nvPr/>
+        </p:nvPicPr>
+        <p:blipFill>
+          <a:blip r:embed="rId4" cstate="print">
+            <a:extLst>
+              <a:ext uri="{28A0092B-C50C-407E-A947-70E740481C1C}">
+                <a14:useLocalDpi xmlns:a14="http://schemas.microsoft.com/office/drawing/2010/main" val="0"/>
+              </a:ext>
+            </a:extLst>
+          </a:blip>
+          <a:stretch>
+            <a:fillRect/>
+          </a:stretch>
+        </p:blipFill>
+        <p:spPr>
+          <a:xfrm>
+            <a:off x="4427984" y="4077072"/>
+            <a:ext cx="4355976" cy="2265969"/>
           </a:xfrm>
           <a:prstGeom prst="rect">
             <a:avLst/>
@@ -3929,7 +3754,7 @@
     </p:spTree>
     <p:extLst>
       <p:ext uri="{BB962C8B-B14F-4D97-AF65-F5344CB8AC3E}">
-        <p14:creationId xmlns:p14="http://schemas.microsoft.com/office/powerpoint/2010/main" val="3717636486"/>
+        <p14:creationId xmlns:p14="http://schemas.microsoft.com/office/powerpoint/2010/main" val="289602337"/>
       </p:ext>
     </p:extLst>
   </p:cSld>
@@ -3939,13 +3764,6 @@
   <p:transition spd="slow">
     <p:cover/>
   </p:transition>
-  <p:timing>
-    <p:tnLst>
-      <p:par>
-        <p:cTn id="1" dur="indefinite" restart="never" nodeType="tmRoot"/>
-      </p:par>
-    </p:tnLst>
-  </p:timing>
 </p:sld>
 </file>
 

--- a/Docs/Visual Memory.pptx
+++ b/Docs/Visual Memory.pptx
@@ -3272,8 +3272,8 @@
           <a:lstStyle/>
           <a:p>
             <a:r>
-              <a:rPr lang="ca-ES" dirty="0" smtClean="0"/>
-              <a:t>Teologies</a:t>
+              <a:rPr lang="ca-ES" dirty="0" err="1" smtClean="0"/>
+              <a:t>Tegnologies</a:t>
             </a:r>
             <a:endParaRPr lang="es-ES" dirty="0"/>
           </a:p>
@@ -3301,11 +3301,7 @@
           <a:p>
             <a:r>
               <a:rPr lang="ca-ES" sz="2400" dirty="0" smtClean="0"/>
-              <a:t>Laravel-7 </a:t>
-            </a:r>
-            <a:r>
-              <a:rPr lang="ca-ES" sz="2400" dirty="0" smtClean="0"/>
-              <a:t>amb </a:t>
+              <a:t>Laravel-7 amb </a:t>
             </a:r>
             <a:r>
               <a:rPr lang="ca-ES" sz="2400" dirty="0" err="1" smtClean="0"/>
@@ -3330,13 +3326,8 @@
             </a:r>
             <a:r>
               <a:rPr lang="ca-ES" sz="2400" dirty="0" smtClean="0"/>
-              <a:t> </a:t>
-            </a:r>
-            <a:r>
-              <a:rPr lang="ca-ES" sz="2400" dirty="0" smtClean="0"/>
-              <a:t>BBDD( en local )</a:t>
-            </a:r>
-            <a:endParaRPr lang="ca-ES" sz="2400" dirty="0" smtClean="0"/>
+              <a:t> BBDD( en local )</a:t>
+            </a:r>
           </a:p>
           <a:p>
             <a:pPr marL="0" indent="0">

--- a/Docs/Visual Memory.pptx
+++ b/Docs/Visual Memory.pptx
@@ -3316,6 +3316,14 @@
             <a:r>
               <a:rPr lang="ca-ES" sz="2400" dirty="0" err="1" smtClean="0"/>
               <a:t>JavaScript</a:t>
+            </a:r>
+            <a:r>
+              <a:rPr lang="ca-ES" sz="2400" dirty="0" smtClean="0"/>
+              <a:t> amb </a:t>
+            </a:r>
+            <a:r>
+              <a:rPr lang="ca-ES" sz="2400" dirty="0" err="1" smtClean="0"/>
+              <a:t>JQuery</a:t>
             </a:r>
             <a:endParaRPr lang="ca-ES" sz="2400" dirty="0" smtClean="0"/>
           </a:p>

--- a/Docs/Visual Memory.pptx
+++ b/Docs/Visual Memory.pptx
@@ -3334,13 +3334,12 @@
             </a:r>
             <a:r>
               <a:rPr lang="ca-ES" sz="2400" dirty="0" smtClean="0"/>
-              <a:t> BBDD( en local )</a:t>
-            </a:r>
-          </a:p>
-          <a:p>
-            <a:pPr marL="0" indent="0">
-              <a:buNone/>
-            </a:pPr>
+              <a:t> </a:t>
+            </a:r>
+            <a:r>
+              <a:rPr lang="ca-ES" sz="2400" dirty="0" smtClean="0"/>
+              <a:t>BBDD</a:t>
+            </a:r>
             <a:endParaRPr lang="ca-ES" dirty="0" smtClean="0"/>
           </a:p>
           <a:p>
@@ -3557,7 +3556,7 @@
         </p:blipFill>
         <p:spPr bwMode="auto">
           <a:xfrm>
-            <a:off x="4716016" y="2558434"/>
+            <a:off x="5004048" y="2810099"/>
             <a:ext cx="1651547" cy="1732505"/>
           </a:xfrm>
           <a:prstGeom prst="rect">
